--- a/material/The_Simplest_Conputer_equivalance.pptx
+++ b/material/The_Simplest_Conputer_equivalance.pptx
@@ -3683,8 +3683,12 @@
               <a:t>	</a:t>
             </a:r>
             <a:r>
+              <a:rPr lang="ja-JP" altLang="en-US" dirty="0"/>
+              <a:t>正規表現</a:t>
+            </a:r>
+            <a:r>
               <a:rPr lang="ja-JP" altLang="en-US" dirty="0" smtClean="0"/>
-              <a:t>規則的な状態を表すことにとても便利</a:t>
+              <a:t>を表すことにとても便利</a:t>
             </a:r>
             <a:endParaRPr lang="en-US" altLang="ja-JP" dirty="0" smtClean="0"/>
           </a:p>
@@ -3699,12 +3703,8 @@
               <a:buNone/>
             </a:pPr>
             <a:r>
-              <a:rPr lang="ja-JP" altLang="en-US" dirty="0"/>
-              <a:t>それで</a:t>
-            </a:r>
-            <a:r>
-              <a:rPr lang="ja-JP" altLang="en-US" dirty="0" smtClean="0"/>
-              <a:t>は</a:t>
+              <a:rPr lang="ja-JP" altLang="en-US" smtClean="0"/>
+              <a:t>では</a:t>
             </a:r>
             <a:r>
               <a:rPr lang="en-US" altLang="ja-JP" dirty="0" smtClean="0"/>
